--- a/AppliedStats_Proj2/Presentation1.pptx
+++ b/AppliedStats_Proj2/Presentation1.pptx
@@ -9,7 +9,10 @@
     <p:sldId id="257" r:id="rId3"/>
     <p:sldId id="258" r:id="rId4"/>
     <p:sldId id="259" r:id="rId5"/>
-    <p:sldId id="260" r:id="rId6"/>
+    <p:sldId id="262" r:id="rId6"/>
+    <p:sldId id="263" r:id="rId7"/>
+    <p:sldId id="260" r:id="rId8"/>
+    <p:sldId id="261" r:id="rId9"/>
   </p:sldIdLst>
   <p:sldSz cx="12192000" cy="6858000"/>
   <p:notesSz cx="6858000" cy="9144000"/>
@@ -4332,10 +4335,10 @@
       </p:grpSpPr>
       <p:sp>
         <p:nvSpPr>
-          <p:cNvPr id="10" name="Rectangle 9">
-            <a:extLst>
-              <a:ext uri="{FF2B5EF4-FFF2-40B4-BE49-F238E27FC236}">
-                <a16:creationId xmlns:a16="http://schemas.microsoft.com/office/drawing/2014/main" id="{6753252F-4873-4F63-801D-CC719279A7D5}"/>
+          <p:cNvPr id="17" name="Rectangle 16">
+            <a:extLst>
+              <a:ext uri="{FF2B5EF4-FFF2-40B4-BE49-F238E27FC236}">
+                <a16:creationId xmlns:a16="http://schemas.microsoft.com/office/drawing/2014/main" id="{A4AC5506-6312-4701-8D3C-40187889A947}"/>
               </a:ext>
               <a:ext uri="{C183D7F6-B498-43B3-948B-1728B52AA6E4}">
                 <adec:decorative xmlns:adec="http://schemas.microsoft.com/office/drawing/2017/decorative" val="1"/>
@@ -4355,14 +4358,14 @@
         </p:nvSpPr>
         <p:spPr>
           <a:xfrm>
-            <a:off x="0" y="0"/>
-            <a:ext cx="12192000" cy="6858000"/>
+            <a:off x="0" y="651752"/>
+            <a:ext cx="12192000" cy="736551"/>
           </a:xfrm>
           <a:prstGeom prst="rect">
             <a:avLst/>
           </a:prstGeom>
           <a:solidFill>
-            <a:srgbClr val="FFFFFF"/>
+            <a:schemeClr val="tx1"/>
           </a:solidFill>
           <a:ln>
             <a:noFill/>
@@ -4395,99 +4398,28 @@
       </p:sp>
       <p:sp>
         <p:nvSpPr>
-          <p:cNvPr id="12" name="Rectangle 11">
-            <a:extLst>
-              <a:ext uri="{FF2B5EF4-FFF2-40B4-BE49-F238E27FC236}">
-                <a16:creationId xmlns:a16="http://schemas.microsoft.com/office/drawing/2014/main" id="{047C8CCB-F95D-4249-92DD-651249D3535A}"/>
-              </a:ext>
-              <a:ext uri="{C183D7F6-B498-43B3-948B-1728B52AA6E4}">
-                <adec:decorative xmlns:adec="http://schemas.microsoft.com/office/drawing/2017/decorative" val="1"/>
-              </a:ext>
-            </a:extLst>
-          </p:cNvPr>
-          <p:cNvSpPr>
-            <a:spLocks noGrp="1" noRot="1" noChangeAspect="1" noMove="1" noResize="1" noEditPoints="1" noAdjustHandles="1" noChangeArrowheads="1" noChangeShapeType="1" noTextEdit="1"/>
-          </p:cNvSpPr>
-          <p:nvPr>
-            <p:extLst>
-              <p:ext uri="{386F3935-93C4-4BCD-93E2-E3B085C9AB24}">
-                <p16:designElem xmlns:p16="http://schemas.microsoft.com/office/powerpoint/2015/main" val="1"/>
-              </p:ext>
-            </p:extLst>
+          <p:cNvPr id="2" name="Title 1">
+            <a:extLst>
+              <a:ext uri="{FF2B5EF4-FFF2-40B4-BE49-F238E27FC236}">
+                <a16:creationId xmlns:a16="http://schemas.microsoft.com/office/drawing/2014/main" id="{19BFF5C1-EF95-4A40-9936-E9A2513FA8DA}"/>
+              </a:ext>
+            </a:extLst>
+          </p:cNvPr>
+          <p:cNvSpPr>
+            <a:spLocks noGrp="1"/>
+          </p:cNvSpPr>
+          <p:nvPr>
+            <p:ph type="title"/>
           </p:nvPr>
         </p:nvSpPr>
         <p:spPr>
           <a:xfrm>
-            <a:off x="0" y="0"/>
-            <a:ext cx="2013557" cy="6858000"/>
-          </a:xfrm>
-          <a:prstGeom prst="rect">
-            <a:avLst/>
-          </a:prstGeom>
-          <a:solidFill>
-            <a:srgbClr val="7F7F7F"/>
-          </a:solidFill>
-          <a:ln>
-            <a:noFill/>
-          </a:ln>
-        </p:spPr>
-        <p:style>
-          <a:lnRef idx="2">
-            <a:schemeClr val="accent1">
-              <a:shade val="50000"/>
-            </a:schemeClr>
-          </a:lnRef>
-          <a:fillRef idx="1">
-            <a:schemeClr val="accent1"/>
-          </a:fillRef>
-          <a:effectRef idx="0">
-            <a:schemeClr val="accent1"/>
-          </a:effectRef>
-          <a:fontRef idx="minor">
-            <a:schemeClr val="lt1"/>
-          </a:fontRef>
-        </p:style>
-        <p:txBody>
-          <a:bodyPr rtlCol="0" anchor="ctr"/>
-          <a:lstStyle/>
-          <a:p>
-            <a:pPr algn="ctr"/>
-            <a:endParaRPr lang="en-US"/>
-          </a:p>
-        </p:txBody>
-      </p:sp>
-      <p:sp>
-        <p:nvSpPr>
-          <p:cNvPr id="2" name="Title 1">
-            <a:extLst>
-              <a:ext uri="{FF2B5EF4-FFF2-40B4-BE49-F238E27FC236}">
-                <a16:creationId xmlns:a16="http://schemas.microsoft.com/office/drawing/2014/main" id="{19BFF5C1-EF95-4A40-9936-E9A2513FA8DA}"/>
-              </a:ext>
-            </a:extLst>
-          </p:cNvPr>
-          <p:cNvSpPr>
-            <a:spLocks noGrp="1"/>
-          </p:cNvSpPr>
-          <p:nvPr>
-            <p:ph type="title"/>
-          </p:nvPr>
-        </p:nvSpPr>
-        <p:spPr>
-          <a:xfrm>
-            <a:off x="640080" y="2074363"/>
-            <a:ext cx="2752354" cy="2709275"/>
+            <a:off x="556532" y="643467"/>
+            <a:ext cx="11210925" cy="744836"/>
           </a:xfrm>
           <a:prstGeom prst="ellipse">
             <a:avLst/>
           </a:prstGeom>
-          <a:solidFill>
-            <a:srgbClr val="262626"/>
-          </a:solidFill>
-          <a:ln w="174625" cmpd="thinThick">
-            <a:solidFill>
-              <a:srgbClr val="262626"/>
-            </a:solidFill>
-          </a:ln>
         </p:spPr>
         <p:txBody>
           <a:bodyPr vert="horz" lIns="91440" tIns="45720" rIns="91440" bIns="45720" rtlCol="0" anchor="ctr">
@@ -4497,26 +4429,15 @@
           <a:p>
             <a:pPr algn="ctr"/>
             <a:r>
-              <a:rPr lang="en-US" sz="2600" kern="1200" dirty="0" err="1">
+              <a:rPr lang="en-US" sz="3000" kern="1200">
                 <a:solidFill>
-                  <a:srgbClr val="FFFFFF"/>
+                  <a:schemeClr val="bg1"/>
                 </a:solidFill>
                 <a:latin typeface="+mj-lt"/>
                 <a:ea typeface="+mj-ea"/>
                 <a:cs typeface="+mj-cs"/>
               </a:rPr>
-              <a:t>Attendence</a:t>
-            </a:r>
-            <a:r>
-              <a:rPr lang="en-US" sz="2600" kern="1200" dirty="0">
-                <a:solidFill>
-                  <a:srgbClr val="FFFFFF"/>
-                </a:solidFill>
-                <a:latin typeface="+mj-lt"/>
-                <a:ea typeface="+mj-ea"/>
-                <a:cs typeface="+mj-cs"/>
-              </a:rPr>
-              <a:t> and noise has correlation</a:t>
+              <a:t>Attendence and noise has correlation</a:t>
             </a:r>
           </a:p>
         </p:txBody>
@@ -4545,8 +4466,8 @@
         </p:blipFill>
         <p:spPr>
           <a:xfrm>
-            <a:off x="4388628" y="961812"/>
-            <a:ext cx="6488142" cy="4930987"/>
+            <a:off x="3205079" y="1675227"/>
+            <a:ext cx="5781842" cy="4394199"/>
           </a:xfrm>
           <a:prstGeom prst="rect">
             <a:avLst/>
@@ -4593,6 +4514,678 @@
       </p:grpSpPr>
       <p:sp>
         <p:nvSpPr>
+          <p:cNvPr id="20" name="Rectangle 16">
+            <a:extLst>
+              <a:ext uri="{FF2B5EF4-FFF2-40B4-BE49-F238E27FC236}">
+                <a16:creationId xmlns:a16="http://schemas.microsoft.com/office/drawing/2014/main" id="{99899462-FC16-43B0-966B-FCA263450716}"/>
+              </a:ext>
+              <a:ext uri="{C183D7F6-B498-43B3-948B-1728B52AA6E4}">
+                <adec:decorative xmlns:adec="http://schemas.microsoft.com/office/drawing/2017/decorative" val="1"/>
+              </a:ext>
+            </a:extLst>
+          </p:cNvPr>
+          <p:cNvSpPr>
+            <a:spLocks noGrp="1" noRot="1" noChangeAspect="1" noMove="1" noResize="1" noEditPoints="1" noAdjustHandles="1" noChangeArrowheads="1" noChangeShapeType="1" noTextEdit="1"/>
+          </p:cNvSpPr>
+          <p:nvPr>
+            <p:extLst>
+              <p:ext uri="{386F3935-93C4-4BCD-93E2-E3B085C9AB24}">
+                <p16:designElem xmlns:p16="http://schemas.microsoft.com/office/powerpoint/2015/main" val="1"/>
+              </p:ext>
+            </p:extLst>
+          </p:nvPr>
+        </p:nvSpPr>
+        <p:spPr bwMode="ltGray">
+          <a:xfrm>
+            <a:off x="4654295" y="478232"/>
+            <a:ext cx="7034121" cy="5918673"/>
+          </a:xfrm>
+          <a:prstGeom prst="rect">
+            <a:avLst/>
+          </a:prstGeom>
+          <a:solidFill>
+            <a:srgbClr val="404040"/>
+          </a:solidFill>
+          <a:ln w="127000" cap="sq" cmpd="thinThick">
+            <a:solidFill>
+              <a:srgbClr val="404040"/>
+            </a:solidFill>
+          </a:ln>
+        </p:spPr>
+        <p:style>
+          <a:lnRef idx="2">
+            <a:schemeClr val="accent1">
+              <a:shade val="50000"/>
+            </a:schemeClr>
+          </a:lnRef>
+          <a:fillRef idx="1">
+            <a:schemeClr val="accent1"/>
+          </a:fillRef>
+          <a:effectRef idx="0">
+            <a:schemeClr val="accent1"/>
+          </a:effectRef>
+          <a:fontRef idx="minor">
+            <a:schemeClr val="lt1"/>
+          </a:fontRef>
+        </p:style>
+        <p:txBody>
+          <a:bodyPr rtlCol="0" anchor="ctr"/>
+          <a:lstStyle/>
+          <a:p>
+            <a:pPr algn="ctr"/>
+            <a:endParaRPr lang="en-US"/>
+          </a:p>
+        </p:txBody>
+      </p:sp>
+      <p:sp>
+        <p:nvSpPr>
+          <p:cNvPr id="2" name="Title 1">
+            <a:extLst>
+              <a:ext uri="{FF2B5EF4-FFF2-40B4-BE49-F238E27FC236}">
+                <a16:creationId xmlns:a16="http://schemas.microsoft.com/office/drawing/2014/main" id="{11FEDA5B-C7F4-704E-8543-790CF6BA80F0}"/>
+              </a:ext>
+            </a:extLst>
+          </p:cNvPr>
+          <p:cNvSpPr>
+            <a:spLocks noGrp="1"/>
+          </p:cNvSpPr>
+          <p:nvPr>
+            <p:ph type="title"/>
+          </p:nvPr>
+        </p:nvSpPr>
+        <p:spPr>
+          <a:xfrm>
+            <a:off x="5297762" y="1053711"/>
+            <a:ext cx="5638994" cy="1424446"/>
+          </a:xfrm>
+        </p:spPr>
+        <p:txBody>
+          <a:bodyPr>
+            <a:normAutofit/>
+          </a:bodyPr>
+          <a:lstStyle/>
+          <a:p>
+            <a:r>
+              <a:rPr lang="en-US">
+                <a:solidFill>
+                  <a:srgbClr val="FFFFFF"/>
+                </a:solidFill>
+              </a:rPr>
+              <a:t>Checking for normality</a:t>
+            </a:r>
+            <a:endParaRPr lang="en-US" dirty="0">
+              <a:solidFill>
+                <a:srgbClr val="FFFFFF"/>
+              </a:solidFill>
+            </a:endParaRPr>
+          </a:p>
+        </p:txBody>
+      </p:sp>
+      <p:pic>
+        <p:nvPicPr>
+          <p:cNvPr id="5" name="Picture 4">
+            <a:extLst>
+              <a:ext uri="{FF2B5EF4-FFF2-40B4-BE49-F238E27FC236}">
+                <a16:creationId xmlns:a16="http://schemas.microsoft.com/office/drawing/2014/main" id="{2D867505-D101-114A-B1DF-B0AC70B04604}"/>
+              </a:ext>
+            </a:extLst>
+          </p:cNvPr>
+          <p:cNvPicPr>
+            <a:picLocks noChangeAspect="1"/>
+          </p:cNvPicPr>
+          <p:nvPr/>
+        </p:nvPicPr>
+        <p:blipFill>
+          <a:blip r:embed="rId2"/>
+          <a:stretch>
+            <a:fillRect/>
+          </a:stretch>
+        </p:blipFill>
+        <p:spPr>
+          <a:xfrm>
+            <a:off x="564096" y="478232"/>
+            <a:ext cx="3498310" cy="2789902"/>
+          </a:xfrm>
+          <a:prstGeom prst="rect">
+            <a:avLst/>
+          </a:prstGeom>
+        </p:spPr>
+      </p:pic>
+      <p:cxnSp>
+        <p:nvCxnSpPr>
+          <p:cNvPr id="19" name="Straight Connector 18">
+            <a:extLst>
+              <a:ext uri="{FF2B5EF4-FFF2-40B4-BE49-F238E27FC236}">
+                <a16:creationId xmlns:a16="http://schemas.microsoft.com/office/drawing/2014/main" id="{AAFEA932-2DF1-410C-A00A-7A1E7DBF7511}"/>
+              </a:ext>
+              <a:ext uri="{C183D7F6-B498-43B3-948B-1728B52AA6E4}">
+                <adec:decorative xmlns:adec="http://schemas.microsoft.com/office/drawing/2017/decorative" val="1"/>
+              </a:ext>
+            </a:extLst>
+          </p:cNvPr>
+          <p:cNvCxnSpPr>
+            <a:cxnSpLocks noGrp="1" noRot="1" noChangeAspect="1" noMove="1" noResize="1" noEditPoints="1" noAdjustHandles="1" noChangeArrowheads="1" noChangeShapeType="1"/>
+          </p:cNvCxnSpPr>
+          <p:nvPr>
+            <p:extLst>
+              <p:ext uri="{386F3935-93C4-4BCD-93E2-E3B085C9AB24}">
+                <p16:designElem xmlns:p16="http://schemas.microsoft.com/office/powerpoint/2015/main" val="1"/>
+              </p:ext>
+            </p:extLst>
+          </p:nvPr>
+        </p:nvCxnSpPr>
+        <p:spPr>
+          <a:xfrm>
+            <a:off x="5430098" y="2639023"/>
+            <a:ext cx="4562441" cy="0"/>
+          </a:xfrm>
+          <a:prstGeom prst="line">
+            <a:avLst/>
+          </a:prstGeom>
+          <a:ln w="22225">
+            <a:solidFill>
+              <a:srgbClr val="E7E6E6"/>
+            </a:solidFill>
+          </a:ln>
+        </p:spPr>
+        <p:style>
+          <a:lnRef idx="1">
+            <a:schemeClr val="accent1"/>
+          </a:lnRef>
+          <a:fillRef idx="0">
+            <a:schemeClr val="accent1"/>
+          </a:fillRef>
+          <a:effectRef idx="0">
+            <a:schemeClr val="accent1"/>
+          </a:effectRef>
+          <a:fontRef idx="minor">
+            <a:schemeClr val="tx1"/>
+          </a:fontRef>
+        </p:style>
+      </p:cxnSp>
+      <p:pic>
+        <p:nvPicPr>
+          <p:cNvPr id="4" name="Picture 3">
+            <a:extLst>
+              <a:ext uri="{FF2B5EF4-FFF2-40B4-BE49-F238E27FC236}">
+                <a16:creationId xmlns:a16="http://schemas.microsoft.com/office/drawing/2014/main" id="{96B94D1B-A919-7048-BEBB-78BBF20C3C4F}"/>
+              </a:ext>
+            </a:extLst>
+          </p:cNvPr>
+          <p:cNvPicPr>
+            <a:picLocks noChangeAspect="1"/>
+          </p:cNvPicPr>
+          <p:nvPr/>
+        </p:nvPicPr>
+        <p:blipFill rotWithShape="1">
+          <a:blip r:embed="rId3"/>
+          <a:srcRect l="15541" r="208" b="1"/>
+          <a:stretch/>
+        </p:blipFill>
+        <p:spPr>
+          <a:xfrm>
+            <a:off x="777488" y="3589867"/>
+            <a:ext cx="3071526" cy="2788920"/>
+          </a:xfrm>
+          <a:prstGeom prst="rect">
+            <a:avLst/>
+          </a:prstGeom>
+        </p:spPr>
+      </p:pic>
+      <p:sp>
+        <p:nvSpPr>
+          <p:cNvPr id="3" name="Content Placeholder 2">
+            <a:extLst>
+              <a:ext uri="{FF2B5EF4-FFF2-40B4-BE49-F238E27FC236}">
+                <a16:creationId xmlns:a16="http://schemas.microsoft.com/office/drawing/2014/main" id="{C93A8145-077E-C242-9FAC-5978BCCC6F05}"/>
+              </a:ext>
+            </a:extLst>
+          </p:cNvPr>
+          <p:cNvSpPr>
+            <a:spLocks noGrp="1"/>
+          </p:cNvSpPr>
+          <p:nvPr>
+            <p:ph idx="1"/>
+          </p:nvPr>
+        </p:nvSpPr>
+        <p:spPr>
+          <a:xfrm>
+            <a:off x="5297762" y="2799889"/>
+            <a:ext cx="5747187" cy="2987543"/>
+          </a:xfrm>
+        </p:spPr>
+        <p:txBody>
+          <a:bodyPr anchor="t">
+            <a:normAutofit/>
+          </a:bodyPr>
+          <a:lstStyle/>
+          <a:p>
+            <a:r>
+              <a:rPr lang="en-US" sz="2400" dirty="0">
+                <a:solidFill>
+                  <a:srgbClr val="FFFFFF"/>
+                </a:solidFill>
+              </a:rPr>
+              <a:t>Most continuous explanatory vars are normally distributed.</a:t>
+            </a:r>
+          </a:p>
+          <a:p>
+            <a:r>
+              <a:rPr lang="en-US" sz="2400" dirty="0" err="1">
+                <a:solidFill>
+                  <a:srgbClr val="FFFFFF"/>
+                </a:solidFill>
+              </a:rPr>
+              <a:t>Shot_distance</a:t>
+            </a:r>
+            <a:r>
+              <a:rPr lang="en-US" sz="2400" dirty="0">
+                <a:solidFill>
+                  <a:srgbClr val="FFFFFF"/>
+                </a:solidFill>
+              </a:rPr>
+              <a:t> seem to have some skewed ness but most of the frequency is around zero. The skewedness does not warrant for a transformation.</a:t>
+            </a:r>
+          </a:p>
+        </p:txBody>
+      </p:sp>
+    </p:spTree>
+    <p:extLst>
+      <p:ext uri="{BB962C8B-B14F-4D97-AF65-F5344CB8AC3E}">
+        <p14:creationId xmlns:p14="http://schemas.microsoft.com/office/powerpoint/2010/main" val="1713217073"/>
+      </p:ext>
+    </p:extLst>
+  </p:cSld>
+  <p:clrMapOvr>
+    <a:masterClrMapping/>
+  </p:clrMapOvr>
+</p:sld>
+</file>
+
+<file path=ppt/slides/slide6.xml><?xml version="1.0" encoding="utf-8"?>
+<p:sld xmlns:a="http://schemas.openxmlformats.org/drawingml/2006/main" xmlns:r="http://schemas.openxmlformats.org/officeDocument/2006/relationships" xmlns:p="http://schemas.openxmlformats.org/presentationml/2006/main">
+  <p:cSld>
+    <p:bg>
+      <p:bgPr>
+        <a:solidFill>
+          <a:schemeClr val="bg1"/>
+        </a:solidFill>
+        <a:effectLst/>
+      </p:bgPr>
+    </p:bg>
+    <p:spTree>
+      <p:nvGrpSpPr>
+        <p:cNvPr id="1" name=""/>
+        <p:cNvGrpSpPr/>
+        <p:nvPr/>
+      </p:nvGrpSpPr>
+      <p:grpSpPr>
+        <a:xfrm>
+          <a:off x="0" y="0"/>
+          <a:ext cx="0" cy="0"/>
+          <a:chOff x="0" y="0"/>
+          <a:chExt cx="0" cy="0"/>
+        </a:xfrm>
+      </p:grpSpPr>
+      <p:sp>
+        <p:nvSpPr>
+          <p:cNvPr id="14" name="Rectangle 13">
+            <a:extLst>
+              <a:ext uri="{FF2B5EF4-FFF2-40B4-BE49-F238E27FC236}">
+                <a16:creationId xmlns:a16="http://schemas.microsoft.com/office/drawing/2014/main" id="{99899462-FC16-43B0-966B-FCA263450716}"/>
+              </a:ext>
+              <a:ext uri="{C183D7F6-B498-43B3-948B-1728B52AA6E4}">
+                <adec:decorative xmlns:adec="http://schemas.microsoft.com/office/drawing/2017/decorative" val="1"/>
+              </a:ext>
+            </a:extLst>
+          </p:cNvPr>
+          <p:cNvSpPr>
+            <a:spLocks noGrp="1" noRot="1" noChangeAspect="1" noMove="1" noResize="1" noEditPoints="1" noAdjustHandles="1" noChangeArrowheads="1" noChangeShapeType="1" noTextEdit="1"/>
+          </p:cNvSpPr>
+          <p:nvPr>
+            <p:extLst>
+              <p:ext uri="{386F3935-93C4-4BCD-93E2-E3B085C9AB24}">
+                <p16:designElem xmlns:p16="http://schemas.microsoft.com/office/powerpoint/2015/main" val="1"/>
+              </p:ext>
+            </p:extLst>
+          </p:nvPr>
+        </p:nvSpPr>
+        <p:spPr bwMode="ltGray">
+          <a:xfrm>
+            <a:off x="4654295" y="478232"/>
+            <a:ext cx="7034121" cy="5918673"/>
+          </a:xfrm>
+          <a:prstGeom prst="rect">
+            <a:avLst/>
+          </a:prstGeom>
+          <a:solidFill>
+            <a:srgbClr val="404040"/>
+          </a:solidFill>
+          <a:ln w="127000" cap="sq" cmpd="thinThick">
+            <a:solidFill>
+              <a:srgbClr val="404040"/>
+            </a:solidFill>
+          </a:ln>
+        </p:spPr>
+        <p:style>
+          <a:lnRef idx="2">
+            <a:schemeClr val="accent1">
+              <a:shade val="50000"/>
+            </a:schemeClr>
+          </a:lnRef>
+          <a:fillRef idx="1">
+            <a:schemeClr val="accent1"/>
+          </a:fillRef>
+          <a:effectRef idx="0">
+            <a:schemeClr val="accent1"/>
+          </a:effectRef>
+          <a:fontRef idx="minor">
+            <a:schemeClr val="lt1"/>
+          </a:fontRef>
+        </p:style>
+        <p:txBody>
+          <a:bodyPr rtlCol="0" anchor="ctr"/>
+          <a:lstStyle/>
+          <a:p>
+            <a:pPr algn="ctr"/>
+            <a:endParaRPr lang="en-US"/>
+          </a:p>
+        </p:txBody>
+      </p:sp>
+      <p:sp>
+        <p:nvSpPr>
+          <p:cNvPr id="2" name="Title 1">
+            <a:extLst>
+              <a:ext uri="{FF2B5EF4-FFF2-40B4-BE49-F238E27FC236}">
+                <a16:creationId xmlns:a16="http://schemas.microsoft.com/office/drawing/2014/main" id="{2FC01E83-CA9C-7247-B157-599300708766}"/>
+              </a:ext>
+            </a:extLst>
+          </p:cNvPr>
+          <p:cNvSpPr>
+            <a:spLocks noGrp="1"/>
+          </p:cNvSpPr>
+          <p:nvPr>
+            <p:ph type="title"/>
+          </p:nvPr>
+        </p:nvSpPr>
+        <p:spPr>
+          <a:xfrm>
+            <a:off x="5297762" y="1053711"/>
+            <a:ext cx="5638994" cy="1424446"/>
+          </a:xfrm>
+        </p:spPr>
+        <p:txBody>
+          <a:bodyPr>
+            <a:normAutofit/>
+          </a:bodyPr>
+          <a:lstStyle/>
+          <a:p>
+            <a:r>
+              <a:rPr lang="en-US" dirty="0" err="1">
+                <a:solidFill>
+                  <a:srgbClr val="FFFFFF"/>
+                </a:solidFill>
+              </a:rPr>
+              <a:t>multicolinearity</a:t>
+            </a:r>
+            <a:endParaRPr lang="en-US" dirty="0">
+              <a:solidFill>
+                <a:srgbClr val="FFFFFF"/>
+              </a:solidFill>
+            </a:endParaRPr>
+          </a:p>
+        </p:txBody>
+      </p:sp>
+      <p:pic>
+        <p:nvPicPr>
+          <p:cNvPr id="7" name="Content Placeholder 3">
+            <a:extLst>
+              <a:ext uri="{FF2B5EF4-FFF2-40B4-BE49-F238E27FC236}">
+                <a16:creationId xmlns:a16="http://schemas.microsoft.com/office/drawing/2014/main" id="{DC159D27-A7C9-6547-BB0B-8E94C04911FD}"/>
+              </a:ext>
+            </a:extLst>
+          </p:cNvPr>
+          <p:cNvPicPr>
+            <a:picLocks noChangeAspect="1"/>
+          </p:cNvPicPr>
+          <p:nvPr/>
+        </p:nvPicPr>
+        <p:blipFill rotWithShape="1">
+          <a:blip r:embed="rId2"/>
+          <a:srcRect r="16022" b="-1"/>
+          <a:stretch/>
+        </p:blipFill>
+        <p:spPr>
+          <a:xfrm>
+            <a:off x="776936" y="478232"/>
+            <a:ext cx="3072630" cy="2789902"/>
+          </a:xfrm>
+          <a:prstGeom prst="rect">
+            <a:avLst/>
+          </a:prstGeom>
+        </p:spPr>
+      </p:pic>
+      <p:cxnSp>
+        <p:nvCxnSpPr>
+          <p:cNvPr id="16" name="Straight Connector 15">
+            <a:extLst>
+              <a:ext uri="{FF2B5EF4-FFF2-40B4-BE49-F238E27FC236}">
+                <a16:creationId xmlns:a16="http://schemas.microsoft.com/office/drawing/2014/main" id="{AAFEA932-2DF1-410C-A00A-7A1E7DBF7511}"/>
+              </a:ext>
+              <a:ext uri="{C183D7F6-B498-43B3-948B-1728B52AA6E4}">
+                <adec:decorative xmlns:adec="http://schemas.microsoft.com/office/drawing/2017/decorative" val="1"/>
+              </a:ext>
+            </a:extLst>
+          </p:cNvPr>
+          <p:cNvCxnSpPr>
+            <a:cxnSpLocks noGrp="1" noRot="1" noChangeAspect="1" noMove="1" noResize="1" noEditPoints="1" noAdjustHandles="1" noChangeArrowheads="1" noChangeShapeType="1"/>
+          </p:cNvCxnSpPr>
+          <p:nvPr>
+            <p:extLst>
+              <p:ext uri="{386F3935-93C4-4BCD-93E2-E3B085C9AB24}">
+                <p16:designElem xmlns:p16="http://schemas.microsoft.com/office/powerpoint/2015/main" val="1"/>
+              </p:ext>
+            </p:extLst>
+          </p:nvPr>
+        </p:nvCxnSpPr>
+        <p:spPr>
+          <a:xfrm>
+            <a:off x="5430098" y="2639023"/>
+            <a:ext cx="4562441" cy="0"/>
+          </a:xfrm>
+          <a:prstGeom prst="line">
+            <a:avLst/>
+          </a:prstGeom>
+          <a:ln w="22225">
+            <a:solidFill>
+              <a:srgbClr val="E7E6E6"/>
+            </a:solidFill>
+          </a:ln>
+        </p:spPr>
+        <p:style>
+          <a:lnRef idx="1">
+            <a:schemeClr val="accent1"/>
+          </a:lnRef>
+          <a:fillRef idx="0">
+            <a:schemeClr val="accent1"/>
+          </a:fillRef>
+          <a:effectRef idx="0">
+            <a:schemeClr val="accent1"/>
+          </a:effectRef>
+          <a:fontRef idx="minor">
+            <a:schemeClr val="tx1"/>
+          </a:fontRef>
+        </p:style>
+      </p:cxnSp>
+      <p:pic>
+        <p:nvPicPr>
+          <p:cNvPr id="5" name="Picture 4">
+            <a:extLst>
+              <a:ext uri="{FF2B5EF4-FFF2-40B4-BE49-F238E27FC236}">
+                <a16:creationId xmlns:a16="http://schemas.microsoft.com/office/drawing/2014/main" id="{F9E6F060-5C88-0A45-9D23-C065DBE7A8F1}"/>
+              </a:ext>
+            </a:extLst>
+          </p:cNvPr>
+          <p:cNvPicPr>
+            <a:picLocks noChangeAspect="1"/>
+          </p:cNvPicPr>
+          <p:nvPr/>
+        </p:nvPicPr>
+        <p:blipFill>
+          <a:blip r:embed="rId3"/>
+          <a:stretch>
+            <a:fillRect/>
+          </a:stretch>
+        </p:blipFill>
+        <p:spPr>
+          <a:xfrm>
+            <a:off x="484451" y="3589867"/>
+            <a:ext cx="3657599" cy="2788920"/>
+          </a:xfrm>
+          <a:prstGeom prst="rect">
+            <a:avLst/>
+          </a:prstGeom>
+        </p:spPr>
+      </p:pic>
+      <p:sp>
+        <p:nvSpPr>
+          <p:cNvPr id="9" name="Content Placeholder 8">
+            <a:extLst>
+              <a:ext uri="{FF2B5EF4-FFF2-40B4-BE49-F238E27FC236}">
+                <a16:creationId xmlns:a16="http://schemas.microsoft.com/office/drawing/2014/main" id="{EEA379A8-349B-44C7-8B21-5037C43A777F}"/>
+              </a:ext>
+            </a:extLst>
+          </p:cNvPr>
+          <p:cNvSpPr>
+            <a:spLocks noGrp="1"/>
+          </p:cNvSpPr>
+          <p:nvPr>
+            <p:ph idx="1"/>
+          </p:nvPr>
+        </p:nvSpPr>
+        <p:spPr>
+          <a:xfrm>
+            <a:off x="5297762" y="2799889"/>
+            <a:ext cx="5747187" cy="2987543"/>
+          </a:xfrm>
+        </p:spPr>
+        <p:txBody>
+          <a:bodyPr anchor="t">
+            <a:normAutofit/>
+          </a:bodyPr>
+          <a:lstStyle/>
+          <a:p>
+            <a:r>
+              <a:rPr lang="en-US" sz="2400" dirty="0">
+                <a:solidFill>
+                  <a:srgbClr val="FFFFFF"/>
+                </a:solidFill>
+              </a:rPr>
+              <a:t>Attendance and </a:t>
+            </a:r>
+            <a:r>
+              <a:rPr lang="en-US" sz="2400" dirty="0" err="1">
+                <a:solidFill>
+                  <a:srgbClr val="FFFFFF"/>
+                </a:solidFill>
+              </a:rPr>
+              <a:t>avgnoise</a:t>
+            </a:r>
+            <a:r>
+              <a:rPr lang="en-US" sz="2400" dirty="0">
+                <a:solidFill>
+                  <a:srgbClr val="FFFFFF"/>
+                </a:solidFill>
+              </a:rPr>
+              <a:t> are correlated</a:t>
+            </a:r>
+          </a:p>
+          <a:p>
+            <a:r>
+              <a:rPr lang="en-US" sz="2400" dirty="0" err="1">
+                <a:solidFill>
+                  <a:srgbClr val="FFFFFF"/>
+                </a:solidFill>
+              </a:rPr>
+              <a:t>Loc_x</a:t>
+            </a:r>
+            <a:r>
+              <a:rPr lang="en-US" sz="2400" dirty="0">
+                <a:solidFill>
+                  <a:srgbClr val="FFFFFF"/>
+                </a:solidFill>
+              </a:rPr>
+              <a:t> and </a:t>
+            </a:r>
+            <a:r>
+              <a:rPr lang="en-US" sz="2400" dirty="0" err="1">
+                <a:solidFill>
+                  <a:srgbClr val="FFFFFF"/>
+                </a:solidFill>
+              </a:rPr>
+              <a:t>lon</a:t>
+            </a:r>
+            <a:r>
+              <a:rPr lang="en-US" sz="2400" dirty="0">
+                <a:solidFill>
+                  <a:srgbClr val="FFFFFF"/>
+                </a:solidFill>
+              </a:rPr>
+              <a:t> are correlated.</a:t>
+            </a:r>
+          </a:p>
+          <a:p>
+            <a:pPr marL="0" indent="0">
+              <a:buNone/>
+            </a:pPr>
+            <a:endParaRPr lang="en-US" sz="2400" dirty="0">
+              <a:solidFill>
+                <a:srgbClr val="FFFFFF"/>
+              </a:solidFill>
+            </a:endParaRPr>
+          </a:p>
+        </p:txBody>
+      </p:sp>
+    </p:spTree>
+    <p:extLst>
+      <p:ext uri="{BB962C8B-B14F-4D97-AF65-F5344CB8AC3E}">
+        <p14:creationId xmlns:p14="http://schemas.microsoft.com/office/powerpoint/2010/main" val="3751892143"/>
+      </p:ext>
+    </p:extLst>
+  </p:cSld>
+  <p:clrMapOvr>
+    <a:masterClrMapping/>
+  </p:clrMapOvr>
+</p:sld>
+</file>
+
+<file path=ppt/slides/slide7.xml><?xml version="1.0" encoding="utf-8"?>
+<p:sld xmlns:a="http://schemas.openxmlformats.org/drawingml/2006/main" xmlns:r="http://schemas.openxmlformats.org/officeDocument/2006/relationships" xmlns:p="http://schemas.openxmlformats.org/presentationml/2006/main">
+  <p:cSld>
+    <p:bg>
+      <p:bgPr>
+        <a:solidFill>
+          <a:schemeClr val="bg1"/>
+        </a:solidFill>
+        <a:effectLst/>
+      </p:bgPr>
+    </p:bg>
+    <p:spTree>
+      <p:nvGrpSpPr>
+        <p:cNvPr id="1" name=""/>
+        <p:cNvGrpSpPr/>
+        <p:nvPr/>
+      </p:nvGrpSpPr>
+      <p:grpSpPr>
+        <a:xfrm>
+          <a:off x="0" y="0"/>
+          <a:ext cx="0" cy="0"/>
+          <a:chOff x="0" y="0"/>
+          <a:chExt cx="0" cy="0"/>
+        </a:xfrm>
+      </p:grpSpPr>
+      <p:sp>
+        <p:nvSpPr>
           <p:cNvPr id="10" name="Rectangle 9">
             <a:extLst>
               <a:ext uri="{FF2B5EF4-FFF2-40B4-BE49-F238E27FC236}">
@@ -4691,15 +5284,7 @@
                   <a:srgbClr val="FFFFFF"/>
                 </a:solidFill>
               </a:rPr>
-              <a:t>Logit variation with </a:t>
-            </a:r>
-            <a:r>
-              <a:rPr lang="en-US" sz="5400">
-                <a:solidFill>
-                  <a:srgbClr val="FFFFFF"/>
-                </a:solidFill>
-              </a:rPr>
-              <a:t>shot distance</a:t>
+              <a:t>Logit variation with shot distance</a:t>
             </a:r>
           </a:p>
         </p:txBody>
@@ -4874,6 +5459,568 @@
     <p:extLst>
       <p:ext uri="{BB962C8B-B14F-4D97-AF65-F5344CB8AC3E}">
         <p14:creationId xmlns:p14="http://schemas.microsoft.com/office/powerpoint/2010/main" val="2082554053"/>
+      </p:ext>
+    </p:extLst>
+  </p:cSld>
+  <p:clrMapOvr>
+    <a:masterClrMapping/>
+  </p:clrMapOvr>
+</p:sld>
+</file>
+
+<file path=ppt/slides/slide8.xml><?xml version="1.0" encoding="utf-8"?>
+<p:sld xmlns:a="http://schemas.openxmlformats.org/drawingml/2006/main" xmlns:r="http://schemas.openxmlformats.org/officeDocument/2006/relationships" xmlns:p="http://schemas.openxmlformats.org/presentationml/2006/main">
+  <p:cSld>
+    <p:bg>
+      <p:bgPr>
+        <a:solidFill>
+          <a:schemeClr val="bg1"/>
+        </a:solidFill>
+        <a:effectLst/>
+      </p:bgPr>
+    </p:bg>
+    <p:spTree>
+      <p:nvGrpSpPr>
+        <p:cNvPr id="1" name=""/>
+        <p:cNvGrpSpPr/>
+        <p:nvPr/>
+      </p:nvGrpSpPr>
+      <p:grpSpPr>
+        <a:xfrm>
+          <a:off x="0" y="0"/>
+          <a:ext cx="0" cy="0"/>
+          <a:chOff x="0" y="0"/>
+          <a:chExt cx="0" cy="0"/>
+        </a:xfrm>
+      </p:grpSpPr>
+      <p:sp>
+        <p:nvSpPr>
+          <p:cNvPr id="9" name="Rectangle 8">
+            <a:extLst>
+              <a:ext uri="{FF2B5EF4-FFF2-40B4-BE49-F238E27FC236}">
+                <a16:creationId xmlns:a16="http://schemas.microsoft.com/office/drawing/2014/main" id="{C0B27210-D0CA-4654-B3E3-9ABB4F178EA1}"/>
+              </a:ext>
+              <a:ext uri="{C183D7F6-B498-43B3-948B-1728B52AA6E4}">
+                <adec:decorative xmlns:adec="http://schemas.microsoft.com/office/drawing/2017/decorative" val="1"/>
+              </a:ext>
+            </a:extLst>
+          </p:cNvPr>
+          <p:cNvSpPr>
+            <a:spLocks noGrp="1" noRot="1" noChangeAspect="1" noMove="1" noResize="1" noEditPoints="1" noAdjustHandles="1" noChangeArrowheads="1" noChangeShapeType="1" noTextEdit="1"/>
+          </p:cNvSpPr>
+          <p:nvPr>
+            <p:extLst>
+              <p:ext uri="{386F3935-93C4-4BCD-93E2-E3B085C9AB24}">
+                <p16:designElem xmlns:p16="http://schemas.microsoft.com/office/powerpoint/2015/main" val="1"/>
+              </p:ext>
+            </p:extLst>
+          </p:nvPr>
+        </p:nvSpPr>
+        <p:spPr>
+          <a:xfrm>
+            <a:off x="0" y="0"/>
+            <a:ext cx="12192000" cy="6858000"/>
+          </a:xfrm>
+          <a:prstGeom prst="rect">
+            <a:avLst/>
+          </a:prstGeom>
+          <a:solidFill>
+            <a:schemeClr val="tx1">
+              <a:lumMod val="75000"/>
+              <a:lumOff val="25000"/>
+            </a:schemeClr>
+          </a:solidFill>
+          <a:ln>
+            <a:noFill/>
+          </a:ln>
+        </p:spPr>
+        <p:style>
+          <a:lnRef idx="2">
+            <a:schemeClr val="accent1">
+              <a:shade val="50000"/>
+            </a:schemeClr>
+          </a:lnRef>
+          <a:fillRef idx="1">
+            <a:schemeClr val="accent1"/>
+          </a:fillRef>
+          <a:effectRef idx="0">
+            <a:schemeClr val="accent1"/>
+          </a:effectRef>
+          <a:fontRef idx="minor">
+            <a:schemeClr val="lt1"/>
+          </a:fontRef>
+        </p:style>
+        <p:txBody>
+          <a:bodyPr rtlCol="0" anchor="ctr"/>
+          <a:lstStyle/>
+          <a:p>
+            <a:pPr algn="ctr"/>
+            <a:endParaRPr lang="en-US"/>
+          </a:p>
+        </p:txBody>
+      </p:sp>
+      <p:sp>
+        <p:nvSpPr>
+          <p:cNvPr id="2" name="Title 1">
+            <a:extLst>
+              <a:ext uri="{FF2B5EF4-FFF2-40B4-BE49-F238E27FC236}">
+                <a16:creationId xmlns:a16="http://schemas.microsoft.com/office/drawing/2014/main" id="{3DCFD256-B21C-7148-A616-9E726752DF21}"/>
+              </a:ext>
+            </a:extLst>
+          </p:cNvPr>
+          <p:cNvSpPr>
+            <a:spLocks noGrp="1"/>
+          </p:cNvSpPr>
+          <p:nvPr>
+            <p:ph type="ctrTitle"/>
+          </p:nvPr>
+        </p:nvSpPr>
+        <p:spPr>
+          <a:xfrm>
+            <a:off x="6592164" y="1519881"/>
+            <a:ext cx="4645250" cy="1248033"/>
+          </a:xfrm>
+        </p:spPr>
+        <p:txBody>
+          <a:bodyPr anchor="b">
+            <a:normAutofit fontScale="90000"/>
+          </a:bodyPr>
+          <a:lstStyle/>
+          <a:p>
+            <a:pPr algn="l"/>
+            <a:r>
+              <a:rPr lang="en-US" dirty="0">
+                <a:solidFill>
+                  <a:schemeClr val="bg1"/>
+                </a:solidFill>
+              </a:rPr>
+              <a:t>Shot made and missed by zone area</a:t>
+            </a:r>
+          </a:p>
+        </p:txBody>
+      </p:sp>
+      <p:sp>
+        <p:nvSpPr>
+          <p:cNvPr id="3" name="Subtitle 2">
+            <a:extLst>
+              <a:ext uri="{FF2B5EF4-FFF2-40B4-BE49-F238E27FC236}">
+                <a16:creationId xmlns:a16="http://schemas.microsoft.com/office/drawing/2014/main" id="{C28FBBBB-03BF-C54A-9BD0-84D12AB35FDC}"/>
+              </a:ext>
+            </a:extLst>
+          </p:cNvPr>
+          <p:cNvSpPr>
+            <a:spLocks noGrp="1"/>
+          </p:cNvSpPr>
+          <p:nvPr>
+            <p:ph type="subTitle" idx="1"/>
+          </p:nvPr>
+        </p:nvSpPr>
+        <p:spPr>
+          <a:xfrm>
+            <a:off x="6167848" y="2953265"/>
+            <a:ext cx="5224029" cy="2945491"/>
+          </a:xfrm>
+        </p:spPr>
+        <p:txBody>
+          <a:bodyPr anchor="t">
+            <a:normAutofit/>
+          </a:bodyPr>
+          <a:lstStyle/>
+          <a:p>
+            <a:pPr algn="l"/>
+            <a:r>
+              <a:rPr lang="en-US" sz="2000" dirty="0">
+                <a:solidFill>
+                  <a:schemeClr val="bg1"/>
+                </a:solidFill>
+              </a:rPr>
+              <a:t>Red bars represent shot made and blue is shot missed. Center zone shots has more shots made than missed. All other areas have more missed than made. Back center (</a:t>
+            </a:r>
+            <a:r>
+              <a:rPr lang="en-US" sz="2000" dirty="0" err="1">
+                <a:solidFill>
+                  <a:schemeClr val="bg1"/>
+                </a:solidFill>
+              </a:rPr>
+              <a:t>bc</a:t>
+            </a:r>
+            <a:r>
+              <a:rPr lang="en-US" sz="2000" dirty="0">
+                <a:solidFill>
+                  <a:schemeClr val="bg1"/>
+                </a:solidFill>
+              </a:rPr>
+              <a:t>) is the least. Zero shot made and 60 shots missed.</a:t>
+            </a:r>
+          </a:p>
+        </p:txBody>
+      </p:sp>
+      <p:sp>
+        <p:nvSpPr>
+          <p:cNvPr id="11" name="Freeform: Shape 10">
+            <a:extLst>
+              <a:ext uri="{FF2B5EF4-FFF2-40B4-BE49-F238E27FC236}">
+                <a16:creationId xmlns:a16="http://schemas.microsoft.com/office/drawing/2014/main" id="{1DB7C82F-AB7E-4F0C-B829-FA1B9C415180}"/>
+              </a:ext>
+              <a:ext uri="{C183D7F6-B498-43B3-948B-1728B52AA6E4}">
+                <adec:decorative xmlns:adec="http://schemas.microsoft.com/office/drawing/2017/decorative" val="1"/>
+              </a:ext>
+            </a:extLst>
+          </p:cNvPr>
+          <p:cNvSpPr>
+            <a:spLocks noGrp="1" noRot="1" noChangeAspect="1" noMove="1" noResize="1" noEditPoints="1" noAdjustHandles="1" noChangeArrowheads="1" noChangeShapeType="1" noTextEdit="1"/>
+          </p:cNvSpPr>
+          <p:nvPr>
+            <p:extLst>
+              <p:ext uri="{386F3935-93C4-4BCD-93E2-E3B085C9AB24}">
+                <p16:designElem xmlns:p16="http://schemas.microsoft.com/office/powerpoint/2015/main" val="1"/>
+              </p:ext>
+            </p:extLst>
+          </p:nvPr>
+        </p:nvSpPr>
+        <p:spPr>
+          <a:xfrm flipH="1">
+            <a:off x="0" y="0"/>
+            <a:ext cx="6172782" cy="6858000"/>
+          </a:xfrm>
+          <a:custGeom>
+            <a:avLst/>
+            <a:gdLst>
+              <a:gd name="connsiteX0" fmla="*/ 6172782 w 6172782"/>
+              <a:gd name="connsiteY0" fmla="*/ 0 h 6858000"/>
+              <a:gd name="connsiteX1" fmla="*/ 69075 w 6172782"/>
+              <a:gd name="connsiteY1" fmla="*/ 0 h 6858000"/>
+              <a:gd name="connsiteX2" fmla="*/ 35131 w 6172782"/>
+              <a:gd name="connsiteY2" fmla="*/ 267128 h 6858000"/>
+              <a:gd name="connsiteX3" fmla="*/ 0 w 6172782"/>
+              <a:gd name="connsiteY3" fmla="*/ 962845 h 6858000"/>
+              <a:gd name="connsiteX4" fmla="*/ 3276103 w 6172782"/>
+              <a:gd name="connsiteY4" fmla="*/ 6782205 h 6858000"/>
+              <a:gd name="connsiteX5" fmla="*/ 3407923 w 6172782"/>
+              <a:gd name="connsiteY5" fmla="*/ 6858000 h 6858000"/>
+              <a:gd name="connsiteX6" fmla="*/ 6172782 w 6172782"/>
+              <a:gd name="connsiteY6" fmla="*/ 6858000 h 6858000"/>
+            </a:gdLst>
+            <a:ahLst/>
+            <a:cxnLst>
+              <a:cxn ang="0">
+                <a:pos x="connsiteX0" y="connsiteY0"/>
+              </a:cxn>
+              <a:cxn ang="0">
+                <a:pos x="connsiteX1" y="connsiteY1"/>
+              </a:cxn>
+              <a:cxn ang="0">
+                <a:pos x="connsiteX2" y="connsiteY2"/>
+              </a:cxn>
+              <a:cxn ang="0">
+                <a:pos x="connsiteX3" y="connsiteY3"/>
+              </a:cxn>
+              <a:cxn ang="0">
+                <a:pos x="connsiteX4" y="connsiteY4"/>
+              </a:cxn>
+              <a:cxn ang="0">
+                <a:pos x="connsiteX5" y="connsiteY5"/>
+              </a:cxn>
+              <a:cxn ang="0">
+                <a:pos x="connsiteX6" y="connsiteY6"/>
+              </a:cxn>
+            </a:cxnLst>
+            <a:rect l="l" t="t" r="r" b="b"/>
+            <a:pathLst>
+              <a:path w="6172782" h="6858000">
+                <a:moveTo>
+                  <a:pt x="6172782" y="0"/>
+                </a:moveTo>
+                <a:lnTo>
+                  <a:pt x="69075" y="0"/>
+                </a:lnTo>
+                <a:lnTo>
+                  <a:pt x="35131" y="267128"/>
+                </a:lnTo>
+                <a:cubicBezTo>
+                  <a:pt x="11901" y="495874"/>
+                  <a:pt x="0" y="727970"/>
+                  <a:pt x="0" y="962845"/>
+                </a:cubicBezTo>
+                <a:cubicBezTo>
+                  <a:pt x="0" y="3429034"/>
+                  <a:pt x="1312002" y="5588789"/>
+                  <a:pt x="3276103" y="6782205"/>
+                </a:cubicBezTo>
+                <a:lnTo>
+                  <a:pt x="3407923" y="6858000"/>
+                </a:lnTo>
+                <a:lnTo>
+                  <a:pt x="6172782" y="6858000"/>
+                </a:lnTo>
+                <a:close/>
+              </a:path>
+            </a:pathLst>
+          </a:custGeom>
+          <a:solidFill>
+            <a:schemeClr val="bg1">
+              <a:alpha val="80000"/>
+            </a:schemeClr>
+          </a:solidFill>
+          <a:ln>
+            <a:noFill/>
+          </a:ln>
+        </p:spPr>
+        <p:style>
+          <a:lnRef idx="2">
+            <a:schemeClr val="accent1">
+              <a:shade val="50000"/>
+            </a:schemeClr>
+          </a:lnRef>
+          <a:fillRef idx="1">
+            <a:schemeClr val="accent1"/>
+          </a:fillRef>
+          <a:effectRef idx="0">
+            <a:schemeClr val="accent1"/>
+          </a:effectRef>
+          <a:fontRef idx="minor">
+            <a:schemeClr val="lt1"/>
+          </a:fontRef>
+        </p:style>
+        <p:txBody>
+          <a:bodyPr wrap="square" rtlCol="0" anchor="ctr">
+            <a:noAutofit/>
+          </a:bodyPr>
+          <a:lstStyle/>
+          <a:p>
+            <a:pPr marL="0" marR="0" lvl="0" indent="0" algn="ctr" defTabSz="914400" rtl="0" eaLnBrk="1" fontAlgn="auto" latinLnBrk="0" hangingPunct="1">
+              <a:lnSpc>
+                <a:spcPct val="100000"/>
+              </a:lnSpc>
+              <a:spcBef>
+                <a:spcPts val="0"/>
+              </a:spcBef>
+              <a:spcAft>
+                <a:spcPts val="0"/>
+              </a:spcAft>
+              <a:buClrTx/>
+              <a:buSzTx/>
+              <a:buFontTx/>
+              <a:buNone/>
+              <a:tabLst/>
+              <a:defRPr/>
+            </a:pPr>
+            <a:endParaRPr kumimoji="0" lang="en-US" sz="1800" b="0" i="0" u="none" strike="noStrike" kern="1200" cap="none" spc="0" normalizeH="0" baseline="0" noProof="0">
+              <a:ln>
+                <a:noFill/>
+              </a:ln>
+              <a:solidFill>
+                <a:prstClr val="white"/>
+              </a:solidFill>
+              <a:effectLst/>
+              <a:uLnTx/>
+              <a:uFillTx/>
+              <a:latin typeface="Calibri" panose="020F0502020204030204"/>
+              <a:ea typeface="+mn-ea"/>
+              <a:cs typeface="+mn-cs"/>
+            </a:endParaRPr>
+          </a:p>
+        </p:txBody>
+      </p:sp>
+      <p:sp>
+        <p:nvSpPr>
+          <p:cNvPr id="13" name="Freeform: Shape 12">
+            <a:extLst>
+              <a:ext uri="{FF2B5EF4-FFF2-40B4-BE49-F238E27FC236}">
+                <a16:creationId xmlns:a16="http://schemas.microsoft.com/office/drawing/2014/main" id="{70B66945-4967-4040-926D-DCA44313CDAB}"/>
+              </a:ext>
+              <a:ext uri="{C183D7F6-B498-43B3-948B-1728B52AA6E4}">
+                <adec:decorative xmlns:adec="http://schemas.microsoft.com/office/drawing/2017/decorative" val="1"/>
+              </a:ext>
+            </a:extLst>
+          </p:cNvPr>
+          <p:cNvSpPr>
+            <a:spLocks noGrp="1" noRot="1" noChangeAspect="1" noMove="1" noResize="1" noEditPoints="1" noAdjustHandles="1" noChangeArrowheads="1" noChangeShapeType="1" noTextEdit="1"/>
+          </p:cNvSpPr>
+          <p:nvPr>
+            <p:extLst>
+              <p:ext uri="{386F3935-93C4-4BCD-93E2-E3B085C9AB24}">
+                <p16:designElem xmlns:p16="http://schemas.microsoft.com/office/powerpoint/2015/main" val="1"/>
+              </p:ext>
+            </p:extLst>
+          </p:nvPr>
+        </p:nvSpPr>
+        <p:spPr>
+          <a:xfrm>
+            <a:off x="0" y="0"/>
+            <a:ext cx="6024154" cy="6858000"/>
+          </a:xfrm>
+          <a:custGeom>
+            <a:avLst/>
+            <a:gdLst>
+              <a:gd name="connsiteX0" fmla="*/ 0 w 6024154"/>
+              <a:gd name="connsiteY0" fmla="*/ 0 h 6858000"/>
+              <a:gd name="connsiteX1" fmla="*/ 5953780 w 6024154"/>
+              <a:gd name="connsiteY1" fmla="*/ 0 h 6858000"/>
+              <a:gd name="connsiteX2" fmla="*/ 5989880 w 6024154"/>
+              <a:gd name="connsiteY2" fmla="*/ 284091 h 6858000"/>
+              <a:gd name="connsiteX3" fmla="*/ 6024154 w 6024154"/>
+              <a:gd name="connsiteY3" fmla="*/ 962844 h 6858000"/>
+              <a:gd name="connsiteX4" fmla="*/ 2549934 w 6024154"/>
+              <a:gd name="connsiteY4" fmla="*/ 6800152 h 6858000"/>
+              <a:gd name="connsiteX5" fmla="*/ 2436987 w 6024154"/>
+              <a:gd name="connsiteY5" fmla="*/ 6858000 h 6858000"/>
+              <a:gd name="connsiteX6" fmla="*/ 0 w 6024154"/>
+              <a:gd name="connsiteY6" fmla="*/ 6858000 h 6858000"/>
+            </a:gdLst>
+            <a:ahLst/>
+            <a:cxnLst>
+              <a:cxn ang="0">
+                <a:pos x="connsiteX0" y="connsiteY0"/>
+              </a:cxn>
+              <a:cxn ang="0">
+                <a:pos x="connsiteX1" y="connsiteY1"/>
+              </a:cxn>
+              <a:cxn ang="0">
+                <a:pos x="connsiteX2" y="connsiteY2"/>
+              </a:cxn>
+              <a:cxn ang="0">
+                <a:pos x="connsiteX3" y="connsiteY3"/>
+              </a:cxn>
+              <a:cxn ang="0">
+                <a:pos x="connsiteX4" y="connsiteY4"/>
+              </a:cxn>
+              <a:cxn ang="0">
+                <a:pos x="connsiteX5" y="connsiteY5"/>
+              </a:cxn>
+              <a:cxn ang="0">
+                <a:pos x="connsiteX6" y="connsiteY6"/>
+              </a:cxn>
+            </a:cxnLst>
+            <a:rect l="l" t="t" r="r" b="b"/>
+            <a:pathLst>
+              <a:path w="6024154" h="6858000">
+                <a:moveTo>
+                  <a:pt x="0" y="0"/>
+                </a:moveTo>
+                <a:lnTo>
+                  <a:pt x="5953780" y="0"/>
+                </a:lnTo>
+                <a:lnTo>
+                  <a:pt x="5989880" y="284091"/>
+                </a:lnTo>
+                <a:cubicBezTo>
+                  <a:pt x="6012544" y="507260"/>
+                  <a:pt x="6024154" y="733696"/>
+                  <a:pt x="6024154" y="962844"/>
+                </a:cubicBezTo>
+                <a:cubicBezTo>
+                  <a:pt x="6024154" y="3483472"/>
+                  <a:pt x="4619336" y="5675986"/>
+                  <a:pt x="2549934" y="6800152"/>
+                </a:cubicBezTo>
+                <a:lnTo>
+                  <a:pt x="2436987" y="6858000"/>
+                </a:lnTo>
+                <a:lnTo>
+                  <a:pt x="0" y="6858000"/>
+                </a:lnTo>
+                <a:close/>
+              </a:path>
+            </a:pathLst>
+          </a:custGeom>
+          <a:solidFill>
+            <a:schemeClr val="bg1"/>
+          </a:solidFill>
+          <a:ln>
+            <a:noFill/>
+          </a:ln>
+        </p:spPr>
+        <p:style>
+          <a:lnRef idx="2">
+            <a:schemeClr val="accent1">
+              <a:shade val="50000"/>
+            </a:schemeClr>
+          </a:lnRef>
+          <a:fillRef idx="1">
+            <a:schemeClr val="accent1"/>
+          </a:fillRef>
+          <a:effectRef idx="0">
+            <a:schemeClr val="accent1"/>
+          </a:effectRef>
+          <a:fontRef idx="minor">
+            <a:schemeClr val="lt1"/>
+          </a:fontRef>
+        </p:style>
+        <p:txBody>
+          <a:bodyPr wrap="square" rtlCol="0" anchor="ctr">
+            <a:noAutofit/>
+          </a:bodyPr>
+          <a:lstStyle/>
+          <a:p>
+            <a:pPr marL="0" marR="0" lvl="0" indent="0" algn="ctr" defTabSz="914400" rtl="0" eaLnBrk="1" fontAlgn="auto" latinLnBrk="0" hangingPunct="1">
+              <a:lnSpc>
+                <a:spcPct val="100000"/>
+              </a:lnSpc>
+              <a:spcBef>
+                <a:spcPts val="0"/>
+              </a:spcBef>
+              <a:spcAft>
+                <a:spcPts val="0"/>
+              </a:spcAft>
+              <a:buClrTx/>
+              <a:buSzTx/>
+              <a:buFontTx/>
+              <a:buNone/>
+              <a:tabLst/>
+              <a:defRPr/>
+            </a:pPr>
+            <a:endParaRPr kumimoji="0" lang="en-US" sz="1800" b="0" i="0" u="none" strike="noStrike" kern="1200" cap="none" spc="0" normalizeH="0" baseline="0" noProof="0">
+              <a:ln>
+                <a:noFill/>
+              </a:ln>
+              <a:solidFill>
+                <a:prstClr val="white"/>
+              </a:solidFill>
+              <a:effectLst/>
+              <a:uLnTx/>
+              <a:uFillTx/>
+              <a:latin typeface="Calibri" panose="020F0502020204030204"/>
+              <a:ea typeface="+mn-ea"/>
+              <a:cs typeface="+mn-cs"/>
+            </a:endParaRPr>
+          </a:p>
+        </p:txBody>
+      </p:sp>
+      <p:pic>
+        <p:nvPicPr>
+          <p:cNvPr id="4" name="Picture 3">
+            <a:extLst>
+              <a:ext uri="{FF2B5EF4-FFF2-40B4-BE49-F238E27FC236}">
+                <a16:creationId xmlns:a16="http://schemas.microsoft.com/office/drawing/2014/main" id="{7BE727ED-79C0-D947-94AE-6BAAE2A2A55F}"/>
+              </a:ext>
+            </a:extLst>
+          </p:cNvPr>
+          <p:cNvPicPr>
+            <a:picLocks noChangeAspect="1"/>
+          </p:cNvPicPr>
+          <p:nvPr/>
+        </p:nvPicPr>
+        <p:blipFill>
+          <a:blip r:embed="rId2"/>
+          <a:stretch>
+            <a:fillRect/>
+          </a:stretch>
+        </p:blipFill>
+        <p:spPr>
+          <a:xfrm>
+            <a:off x="419382" y="1191555"/>
+            <a:ext cx="4047843" cy="3106718"/>
+          </a:xfrm>
+          <a:prstGeom prst="rect">
+            <a:avLst/>
+          </a:prstGeom>
+        </p:spPr>
+      </p:pic>
+    </p:spTree>
+    <p:extLst>
+      <p:ext uri="{BB962C8B-B14F-4D97-AF65-F5344CB8AC3E}">
+        <p14:creationId xmlns:p14="http://schemas.microsoft.com/office/powerpoint/2010/main" val="2038411585"/>
       </p:ext>
     </p:extLst>
   </p:cSld>
